--- a/QA-Cinema-User-Persona.pptx
+++ b/QA-Cinema-User-Persona.pptx
@@ -4170,8 +4170,17 @@
                 <a:latin typeface="Arial" pitchFamily="34" charset="0"/>
                 <a:cs typeface="Arial" pitchFamily="34" charset="0"/>
               </a:rPr>
-              <a:t>Find showing times for d</a:t>
-            </a:r>
+              <a:t>Find showing times for decided movie.</a:t>
+            </a:r>
+          </a:p>
+          <a:p>
+            <a:pPr marL="173038" indent="-173038">
+              <a:spcAft>
+                <a:spcPts val="600"/>
+              </a:spcAft>
+              <a:buFont typeface="Arial" pitchFamily="34" charset="0"/>
+              <a:buChar char="•"/>
+            </a:pPr>
             <a:r>
               <a:rPr lang="en-GB" sz="1400" dirty="0" smtClean="0">
                 <a:solidFill>
@@ -4183,29 +4192,7 @@
                 <a:latin typeface="Arial" pitchFamily="34" charset="0"/>
                 <a:cs typeface="Arial" pitchFamily="34" charset="0"/>
               </a:rPr>
-              <a:t>ecided movie.</a:t>
-            </a:r>
-          </a:p>
-          <a:p>
-            <a:pPr marL="173038" indent="-173038">
-              <a:spcAft>
-                <a:spcPts val="600"/>
-              </a:spcAft>
-              <a:buFont typeface="Arial" pitchFamily="34" charset="0"/>
-              <a:buChar char="•"/>
-            </a:pPr>
-            <a:r>
-              <a:rPr lang="en-GB" sz="1400" dirty="0" smtClean="0">
-                <a:solidFill>
-                  <a:schemeClr val="tx1">
-                    <a:lumMod val="85000"/>
-                    <a:lumOff val="15000"/>
-                  </a:schemeClr>
-                </a:solidFill>
-                <a:latin typeface="Arial" pitchFamily="34" charset="0"/>
-                <a:cs typeface="Arial" pitchFamily="34" charset="0"/>
-              </a:rPr>
-              <a:t>Book tickets after this information is fount.</a:t>
+              <a:t>Book tickets after this information is found.</a:t>
             </a:r>
           </a:p>
           <a:p>
@@ -4473,7 +4460,33 @@
                 <a:latin typeface="Arial" pitchFamily="34" charset="0"/>
                 <a:cs typeface="Arial" pitchFamily="34" charset="0"/>
               </a:rPr>
-              <a:t>Make navigation to showing times slow.</a:t>
+              <a:t>Make navigation </a:t>
+            </a:r>
+            <a:r>
+              <a:rPr lang="en-GB" sz="1400" dirty="0" smtClean="0">
+                <a:solidFill>
+                  <a:schemeClr val="tx1">
+                    <a:lumMod val="85000"/>
+                    <a:lumOff val="15000"/>
+                  </a:schemeClr>
+                </a:solidFill>
+                <a:latin typeface="Arial" pitchFamily="34" charset="0"/>
+                <a:cs typeface="Arial" pitchFamily="34" charset="0"/>
+              </a:rPr>
+              <a:t>to find  </a:t>
+            </a:r>
+            <a:r>
+              <a:rPr lang="en-GB" sz="1400" dirty="0" smtClean="0">
+                <a:solidFill>
+                  <a:schemeClr val="tx1">
+                    <a:lumMod val="85000"/>
+                    <a:lumOff val="15000"/>
+                  </a:schemeClr>
+                </a:solidFill>
+                <a:latin typeface="Arial" pitchFamily="34" charset="0"/>
+                <a:cs typeface="Arial" pitchFamily="34" charset="0"/>
+              </a:rPr>
+              <a:t>showing times slow.</a:t>
             </a:r>
           </a:p>
           <a:p>
